--- a/Python, Javascript.pptx
+++ b/Python, Javascript.pptx
@@ -8,7 +8,8 @@
     <p:sldId id="256" r:id="rId2"/>
     <p:sldId id="257" r:id="rId3"/>
     <p:sldId id="259" r:id="rId4"/>
-    <p:sldId id="258" r:id="rId5"/>
+    <p:sldId id="260" r:id="rId5"/>
+    <p:sldId id="258" r:id="rId6"/>
   </p:sldIdLst>
   <p:sldSz cx="12192000" cy="6858000"/>
   <p:notesSz cx="6858000" cy="9144000"/>
@@ -107,7 +108,47 @@
       </a:defRPr>
     </a:lvl9pPr>
   </p:defaultTextStyle>
+  <p:extLst>
+    <p:ext uri="{EFAFB233-063F-42B5-8137-9DF3F51BA10A}">
+      <p15:sldGuideLst xmlns:p15="http://schemas.microsoft.com/office/powerpoint/2012/main"/>
+    </p:ext>
+  </p:extLst>
 </p:presentation>
+</file>
+
+<file path=ppt/commentAuthors.xml><?xml version="1.0" encoding="utf-8"?>
+<p:cmAuthorLst xmlns:a="http://schemas.openxmlformats.org/drawingml/2006/main" xmlns:r="http://schemas.openxmlformats.org/officeDocument/2006/relationships" xmlns:p="http://schemas.openxmlformats.org/presentationml/2006/main">
+  <p:cmAuthor id="1" name="Kerekes István" initials="KI" lastIdx="2" clrIdx="0">
+    <p:extLst>
+      <p:ext uri="{19B8F6BF-5375-455C-9EA6-DF929625EA0E}">
+        <p15:presenceInfo xmlns:p15="http://schemas.microsoft.com/office/powerpoint/2012/main" userId="Kerekes István" providerId="None"/>
+      </p:ext>
+    </p:extLst>
+  </p:cmAuthor>
+</p:cmAuthorLst>
+</file>
+
+<file path=ppt/comments/comment1.xml><?xml version="1.0" encoding="utf-8"?>
+<p:cmLst xmlns:a="http://schemas.openxmlformats.org/drawingml/2006/main" xmlns:r="http://schemas.openxmlformats.org/officeDocument/2006/relationships" xmlns:p="http://schemas.openxmlformats.org/presentationml/2006/main">
+  <p:cm authorId="1" dt="2022-09-13T08:58:10.961" idx="1">
+    <p:pos x="1055" y="2055"/>
+    <p:text>a népszerűség nem tűnik hasznos összehasonlítási alapnak, de nagyban befolyásolja mennyi és milyen minőségű tartalom érhető el az adott nyelvhez.</p:text>
+    <p:extLst>
+      <p:ext uri="{C676402C-5697-4E1C-873F-D02D1690AC5C}">
+        <p15:threadingInfo xmlns:p15="http://schemas.microsoft.com/office/powerpoint/2012/main" timeZoneBias="-120"/>
+      </p:ext>
+    </p:extLst>
+  </p:cm>
+  <p:cm authorId="1" dt="2022-09-13T09:14:56.525" idx="2">
+    <p:pos x="3626" y="2595"/>
+    <p:text/>
+    <p:extLst>
+      <p:ext uri="{C676402C-5697-4E1C-873F-D02D1690AC5C}">
+        <p15:threadingInfo xmlns:p15="http://schemas.microsoft.com/office/powerpoint/2012/main" timeZoneBias="-120"/>
+      </p:ext>
+    </p:extLst>
+  </p:cm>
+</p:cmLst>
 </file>
 
 <file path=ppt/slideLayouts/slideLayout1.xml><?xml version="1.0" encoding="utf-8"?>
@@ -296,7 +337,7 @@
           <a:p>
             <a:fld id="{4AAD347D-5ACD-4C99-B74B-A9C85AD731AF}" type="datetimeFigureOut">
               <a:rPr lang="en-US" dirty="0"/>
-              <a:t>9/9/2022</a:t>
+              <a:t>9/13/2022</a:t>
             </a:fld>
             <a:endParaRPr lang="en-US" dirty="0"/>
           </a:p>
@@ -566,7 +607,7 @@
           <a:p>
             <a:fld id="{4509A250-FF31-4206-8172-F9D3106AACB1}" type="datetimeFigureOut">
               <a:rPr lang="en-US" dirty="0"/>
-              <a:t>9/9/2022</a:t>
+              <a:t>9/13/2022</a:t>
             </a:fld>
             <a:endParaRPr lang="en-US" dirty="0"/>
           </a:p>
@@ -755,7 +796,7 @@
           <a:p>
             <a:fld id="{4509A250-FF31-4206-8172-F9D3106AACB1}" type="datetimeFigureOut">
               <a:rPr lang="en-US" dirty="0"/>
-              <a:t>9/9/2022</a:t>
+              <a:t>9/13/2022</a:t>
             </a:fld>
             <a:endParaRPr lang="en-US" dirty="0"/>
           </a:p>
@@ -1021,7 +1062,7 @@
           <a:p>
             <a:fld id="{4509A250-FF31-4206-8172-F9D3106AACB1}" type="datetimeFigureOut">
               <a:rPr lang="en-US" dirty="0"/>
-              <a:t>9/9/2022</a:t>
+              <a:t>9/13/2022</a:t>
             </a:fld>
             <a:endParaRPr lang="en-US" dirty="0"/>
           </a:p>
@@ -1343,7 +1384,7 @@
           <a:p>
             <a:fld id="{4509A250-FF31-4206-8172-F9D3106AACB1}" type="datetimeFigureOut">
               <a:rPr lang="en-US" dirty="0"/>
-              <a:t>9/9/2022</a:t>
+              <a:t>9/13/2022</a:t>
             </a:fld>
             <a:endParaRPr lang="en-US" dirty="0"/>
           </a:p>
@@ -1957,7 +1998,7 @@
           <a:p>
             <a:fld id="{4509A250-FF31-4206-8172-F9D3106AACB1}" type="datetimeFigureOut">
               <a:rPr lang="en-US" dirty="0"/>
-              <a:t>9/9/2022</a:t>
+              <a:t>9/13/2022</a:t>
             </a:fld>
             <a:endParaRPr lang="en-US" dirty="0"/>
           </a:p>
@@ -2799,7 +2840,7 @@
           <a:p>
             <a:fld id="{4509A250-FF31-4206-8172-F9D3106AACB1}" type="datetimeFigureOut">
               <a:rPr lang="en-US" dirty="0"/>
-              <a:t>9/9/2022</a:t>
+              <a:t>9/13/2022</a:t>
             </a:fld>
             <a:endParaRPr lang="en-US" dirty="0"/>
           </a:p>
@@ -2964,7 +3005,7 @@
           <a:p>
             <a:fld id="{4509A250-FF31-4206-8172-F9D3106AACB1}" type="datetimeFigureOut">
               <a:rPr lang="en-US" dirty="0"/>
-              <a:t>9/9/2022</a:t>
+              <a:t>9/13/2022</a:t>
             </a:fld>
             <a:endParaRPr lang="en-US" dirty="0"/>
           </a:p>
@@ -3139,7 +3180,7 @@
           <a:p>
             <a:fld id="{4509A250-FF31-4206-8172-F9D3106AACB1}" type="datetimeFigureOut">
               <a:rPr lang="en-US" dirty="0"/>
-              <a:t>9/9/2022</a:t>
+              <a:t>9/13/2022</a:t>
             </a:fld>
             <a:endParaRPr lang="en-US" dirty="0"/>
           </a:p>
@@ -3304,7 +3345,7 @@
           <a:p>
             <a:fld id="{9796027F-7875-4030-9381-8BD8C4F21935}" type="datetimeFigureOut">
               <a:rPr lang="en-US" dirty="0"/>
-              <a:t>9/9/2022</a:t>
+              <a:t>9/13/2022</a:t>
             </a:fld>
             <a:endParaRPr lang="en-US" dirty="0"/>
           </a:p>
@@ -3546,7 +3587,7 @@
           <a:p>
             <a:fld id="{9796027F-7875-4030-9381-8BD8C4F21935}" type="datetimeFigureOut">
               <a:rPr lang="en-US" dirty="0"/>
-              <a:t>9/9/2022</a:t>
+              <a:t>9/13/2022</a:t>
             </a:fld>
             <a:endParaRPr lang="en-US" dirty="0"/>
           </a:p>
@@ -3833,7 +3874,7 @@
           <a:p>
             <a:fld id="{9796027F-7875-4030-9381-8BD8C4F21935}" type="datetimeFigureOut">
               <a:rPr lang="en-US" dirty="0"/>
-              <a:t>9/9/2022</a:t>
+              <a:t>9/13/2022</a:t>
             </a:fld>
             <a:endParaRPr lang="en-US" dirty="0"/>
           </a:p>
@@ -4272,7 +4313,7 @@
           <a:p>
             <a:fld id="{9796027F-7875-4030-9381-8BD8C4F21935}" type="datetimeFigureOut">
               <a:rPr lang="en-US" dirty="0"/>
-              <a:t>9/9/2022</a:t>
+              <a:t>9/13/2022</a:t>
             </a:fld>
             <a:endParaRPr lang="en-US" dirty="0"/>
           </a:p>
@@ -4385,7 +4426,7 @@
           <a:p>
             <a:fld id="{4509A250-FF31-4206-8172-F9D3106AACB1}" type="datetimeFigureOut">
               <a:rPr lang="en-US" dirty="0"/>
-              <a:t>9/9/2022</a:t>
+              <a:t>9/13/2022</a:t>
             </a:fld>
             <a:endParaRPr lang="en-US" dirty="0"/>
           </a:p>
@@ -4475,7 +4516,7 @@
           <a:p>
             <a:fld id="{4509A250-FF31-4206-8172-F9D3106AACB1}" type="datetimeFigureOut">
               <a:rPr lang="en-US" dirty="0"/>
-              <a:t>9/9/2022</a:t>
+              <a:t>9/13/2022</a:t>
             </a:fld>
             <a:endParaRPr lang="en-US" dirty="0"/>
           </a:p>
@@ -4749,7 +4790,7 @@
           <a:p>
             <a:fld id="{4509A250-FF31-4206-8172-F9D3106AACB1}" type="datetimeFigureOut">
               <a:rPr lang="en-US" dirty="0"/>
-              <a:t>9/9/2022</a:t>
+              <a:t>9/13/2022</a:t>
             </a:fld>
             <a:endParaRPr lang="en-US" dirty="0"/>
           </a:p>
@@ -5019,7 +5060,7 @@
           <a:p>
             <a:fld id="{4509A250-FF31-4206-8172-F9D3106AACB1}" type="datetimeFigureOut">
               <a:rPr lang="en-US" dirty="0"/>
-              <a:t>9/9/2022</a:t>
+              <a:t>9/13/2022</a:t>
             </a:fld>
             <a:endParaRPr lang="en-US" dirty="0"/>
           </a:p>
@@ -5437,7 +5478,7 @@
           <a:p>
             <a:fld id="{4AAD347D-5ACD-4C99-B74B-A9C85AD731AF}" type="datetimeFigureOut">
               <a:rPr lang="en-US" dirty="0"/>
-              <a:t>9/9/2022</a:t>
+              <a:t>9/13/2022</a:t>
             </a:fld>
             <a:endParaRPr lang="en-US" dirty="0"/>
           </a:p>
@@ -6306,10 +6347,78 @@
           <a:p>
             <a:r>
               <a:rPr lang="hu-HU" dirty="0" smtClean="0"/>
-              <a:t>Könnyen olvasható</a:t>
-            </a:r>
-          </a:p>
-          <a:p>
+              <a:t>Könnyen </a:t>
+            </a:r>
+            <a:r>
+              <a:rPr lang="hu-HU" dirty="0" smtClean="0"/>
+              <a:t>olvasható</a:t>
+            </a:r>
+          </a:p>
+          <a:p>
+            <a:r>
+              <a:rPr lang="hu-HU" dirty="0" smtClean="0"/>
+              <a:t>Egyszerűbb, mint a C/C++ vagy a JAVA</a:t>
+            </a:r>
+            <a:endParaRPr lang="hu-HU" dirty="0" smtClean="0"/>
+          </a:p>
+          <a:p>
+            <a:r>
+              <a:rPr lang="hu-HU" dirty="0" smtClean="0"/>
+              <a:t>Objektum Orientált</a:t>
+            </a:r>
+          </a:p>
+          <a:p>
+            <a:r>
+              <a:rPr lang="hu-HU" dirty="0" smtClean="0"/>
+              <a:t>Népszerű – lehagyta a többi nyelvet a </a:t>
+            </a:r>
+            <a:r>
+              <a:rPr lang="hu-HU" dirty="0" err="1" smtClean="0"/>
+              <a:t>stackoverflow-on</a:t>
+            </a:r>
+            <a:r>
+              <a:rPr lang="hu-HU" dirty="0" smtClean="0"/>
+              <a:t> </a:t>
+            </a:r>
+          </a:p>
+          <a:p>
+            <a:r>
+              <a:rPr lang="hu-HU" dirty="0" smtClean="0"/>
+              <a:t>A nagyobb cégek használják(pl. Google, Facebook, </a:t>
+            </a:r>
+            <a:r>
+              <a:rPr lang="hu-HU" dirty="0" err="1" smtClean="0"/>
+              <a:t>Uber</a:t>
+            </a:r>
+            <a:r>
+              <a:rPr lang="hu-HU" dirty="0" smtClean="0"/>
+              <a:t>, </a:t>
+            </a:r>
+            <a:r>
+              <a:rPr lang="hu-HU" dirty="0" err="1" smtClean="0"/>
+              <a:t>Nasa</a:t>
+            </a:r>
+            <a:r>
+              <a:rPr lang="hu-HU" dirty="0" smtClean="0"/>
+              <a:t>) </a:t>
+            </a:r>
+          </a:p>
+          <a:p>
+            <a:r>
+              <a:rPr lang="hu-HU" dirty="0" smtClean="0"/>
+              <a:t>Ingyenes az összes könyvtárával együtt – Open </a:t>
+            </a:r>
+            <a:r>
+              <a:rPr lang="hu-HU" dirty="0" err="1" smtClean="0"/>
+              <a:t>Source</a:t>
+            </a:r>
+            <a:endParaRPr lang="hu-HU" dirty="0" smtClean="0"/>
+          </a:p>
+          <a:p>
+            <a:r>
+              <a:rPr lang="hu-HU" dirty="0" smtClean="0"/>
+              <a:t>Gépi tanuláshoz elengedhetetlen</a:t>
+            </a:r>
             <a:endParaRPr lang="hu-HU" dirty="0" smtClean="0"/>
           </a:p>
           <a:p>
@@ -6364,6 +6473,108 @@
           <a:p>
             <a:r>
               <a:rPr lang="hu-HU" dirty="0" smtClean="0"/>
+              <a:t>Hátrányai: </a:t>
+            </a:r>
+            <a:endParaRPr lang="hu-HU" dirty="0"/>
+          </a:p>
+        </p:txBody>
+      </p:sp>
+      <p:sp>
+        <p:nvSpPr>
+          <p:cNvPr id="3" name="Tartalom helye 2"/>
+          <p:cNvSpPr>
+            <a:spLocks noGrp="1"/>
+          </p:cNvSpPr>
+          <p:nvPr>
+            <p:ph idx="1"/>
+          </p:nvPr>
+        </p:nvSpPr>
+        <p:spPr/>
+        <p:txBody>
+          <a:bodyPr/>
+          <a:lstStyle/>
+          <a:p>
+            <a:r>
+              <a:rPr lang="hu-HU" dirty="0" smtClean="0"/>
+              <a:t>Korlátozott a sebessége</a:t>
+            </a:r>
+          </a:p>
+          <a:p>
+            <a:r>
+              <a:rPr lang="hu-HU" dirty="0" smtClean="0"/>
+              <a:t>Hatalmas mennyiségű memóriát használ.</a:t>
+            </a:r>
+          </a:p>
+          <a:p>
+            <a:r>
+              <a:rPr lang="hu-HU" dirty="0"/>
+              <a:t>N</a:t>
+            </a:r>
+            <a:r>
+              <a:rPr lang="hu-HU" dirty="0" smtClean="0"/>
+              <a:t>em megfelelő interaktivitás </a:t>
+            </a:r>
+            <a:r>
+              <a:rPr lang="hu-HU" dirty="0"/>
+              <a:t>az adatbázissal</a:t>
+            </a:r>
+            <a:r>
+              <a:rPr lang="hu-HU" dirty="0" smtClean="0"/>
+              <a:t>.</a:t>
+            </a:r>
+          </a:p>
+          <a:p>
+            <a:endParaRPr lang="hu-HU" dirty="0"/>
+          </a:p>
+        </p:txBody>
+      </p:sp>
+    </p:spTree>
+    <p:extLst>
+      <p:ext uri="{BB962C8B-B14F-4D97-AF65-F5344CB8AC3E}">
+        <p14:creationId xmlns:p14="http://schemas.microsoft.com/office/powerpoint/2010/main" val="2571161646"/>
+      </p:ext>
+    </p:extLst>
+  </p:cSld>
+  <p:clrMapOvr>
+    <a:masterClrMapping/>
+  </p:clrMapOvr>
+</p:sld>
+</file>
+
+<file path=ppt/slides/slide5.xml><?xml version="1.0" encoding="utf-8"?>
+<p:sld xmlns:a="http://schemas.openxmlformats.org/drawingml/2006/main" xmlns:r="http://schemas.openxmlformats.org/officeDocument/2006/relationships" xmlns:p="http://schemas.openxmlformats.org/presentationml/2006/main">
+  <p:cSld>
+    <p:spTree>
+      <p:nvGrpSpPr>
+        <p:cNvPr id="1" name=""/>
+        <p:cNvGrpSpPr/>
+        <p:nvPr/>
+      </p:nvGrpSpPr>
+      <p:grpSpPr>
+        <a:xfrm>
+          <a:off x="0" y="0"/>
+          <a:ext cx="0" cy="0"/>
+          <a:chOff x="0" y="0"/>
+          <a:chExt cx="0" cy="0"/>
+        </a:xfrm>
+      </p:grpSpPr>
+      <p:sp>
+        <p:nvSpPr>
+          <p:cNvPr id="2" name="Cím 1"/>
+          <p:cNvSpPr>
+            <a:spLocks noGrp="1"/>
+          </p:cNvSpPr>
+          <p:nvPr>
+            <p:ph type="title"/>
+          </p:nvPr>
+        </p:nvSpPr>
+        <p:spPr/>
+        <p:txBody>
+          <a:bodyPr/>
+          <a:lstStyle/>
+          <a:p>
+            <a:r>
+              <a:rPr lang="hu-HU" dirty="0" smtClean="0"/>
               <a:t>Források:</a:t>
             </a:r>
             <a:endParaRPr lang="hu-HU" dirty="0"/>
@@ -6434,21 +6645,48 @@
               <a:rPr lang="hu-HU" dirty="0">
                 <a:hlinkClick r:id="rId5"/>
               </a:rPr>
-              <a:t>https://</a:t>
-            </a:r>
-            <a:r>
-              <a:rPr lang="hu-HU">
-                <a:hlinkClick r:id="rId5"/>
-              </a:rPr>
-              <a:t>www.python.org</a:t>
-            </a:r>
-            <a:r>
-              <a:rPr lang="hu-HU" smtClean="0">
+              <a:t>https://www.python.org</a:t>
+            </a:r>
+            <a:r>
+              <a:rPr lang="hu-HU" dirty="0" smtClean="0">
                 <a:hlinkClick r:id="rId5"/>
               </a:rPr>
               <a:t>/</a:t>
             </a:r>
-            <a:endParaRPr lang="hu-HU" smtClean="0"/>
+            <a:endParaRPr lang="hu-HU" dirty="0" smtClean="0"/>
+          </a:p>
+          <a:p>
+            <a:r>
+              <a:rPr lang="hu-HU" dirty="0">
+                <a:hlinkClick r:id="rId6"/>
+              </a:rPr>
+              <a:t>https://mesterin.hu/6-ok-amiert-a-python-a-jovo-programozasi-nyelve</a:t>
+            </a:r>
+            <a:r>
+              <a:rPr lang="hu-HU" dirty="0" smtClean="0">
+                <a:hlinkClick r:id="rId6"/>
+              </a:rPr>
+              <a:t>/</a:t>
+            </a:r>
+            <a:endParaRPr lang="hu-HU" dirty="0" smtClean="0"/>
+          </a:p>
+          <a:p>
+            <a:r>
+              <a:rPr lang="hu-HU" dirty="0">
+                <a:hlinkClick r:id="rId7"/>
+              </a:rPr>
+              <a:t>https://</a:t>
+            </a:r>
+            <a:r>
+              <a:rPr lang="hu-HU" dirty="0" smtClean="0">
+                <a:hlinkClick r:id="rId7"/>
+              </a:rPr>
+              <a:t>laptop28.com/hu/a-python-elonyei-es-hatranyai-reszletes-leiras</a:t>
+            </a:r>
+            <a:endParaRPr lang="hu-HU" dirty="0" smtClean="0"/>
+          </a:p>
+          <a:p>
+            <a:endParaRPr lang="hu-HU" dirty="0" smtClean="0"/>
           </a:p>
           <a:p>
             <a:endParaRPr lang="hu-HU" dirty="0" smtClean="0"/>

--- a/Python, Javascript.pptx
+++ b/Python, Javascript.pptx
@@ -139,15 +139,6 @@
       </p:ext>
     </p:extLst>
   </p:cm>
-  <p:cm authorId="1" dt="2022-09-13T09:14:56.525" idx="2">
-    <p:pos x="3626" y="2595"/>
-    <p:text/>
-    <p:extLst>
-      <p:ext uri="{C676402C-5697-4E1C-873F-D02D1690AC5C}">
-        <p15:threadingInfo xmlns:p15="http://schemas.microsoft.com/office/powerpoint/2012/main" timeZoneBias="-120"/>
-      </p:ext>
-    </p:extLst>
-  </p:cm>
 </p:cmLst>
 </file>
 
@@ -337,7 +328,7 @@
           <a:p>
             <a:fld id="{4AAD347D-5ACD-4C99-B74B-A9C85AD731AF}" type="datetimeFigureOut">
               <a:rPr lang="en-US" dirty="0"/>
-              <a:t>9/13/2022</a:t>
+              <a:t>9/14/2022</a:t>
             </a:fld>
             <a:endParaRPr lang="en-US" dirty="0"/>
           </a:p>
@@ -607,7 +598,7 @@
           <a:p>
             <a:fld id="{4509A250-FF31-4206-8172-F9D3106AACB1}" type="datetimeFigureOut">
               <a:rPr lang="en-US" dirty="0"/>
-              <a:t>9/13/2022</a:t>
+              <a:t>9/14/2022</a:t>
             </a:fld>
             <a:endParaRPr lang="en-US" dirty="0"/>
           </a:p>
@@ -796,7 +787,7 @@
           <a:p>
             <a:fld id="{4509A250-FF31-4206-8172-F9D3106AACB1}" type="datetimeFigureOut">
               <a:rPr lang="en-US" dirty="0"/>
-              <a:t>9/13/2022</a:t>
+              <a:t>9/14/2022</a:t>
             </a:fld>
             <a:endParaRPr lang="en-US" dirty="0"/>
           </a:p>
@@ -1062,7 +1053,7 @@
           <a:p>
             <a:fld id="{4509A250-FF31-4206-8172-F9D3106AACB1}" type="datetimeFigureOut">
               <a:rPr lang="en-US" dirty="0"/>
-              <a:t>9/13/2022</a:t>
+              <a:t>9/14/2022</a:t>
             </a:fld>
             <a:endParaRPr lang="en-US" dirty="0"/>
           </a:p>
@@ -1384,7 +1375,7 @@
           <a:p>
             <a:fld id="{4509A250-FF31-4206-8172-F9D3106AACB1}" type="datetimeFigureOut">
               <a:rPr lang="en-US" dirty="0"/>
-              <a:t>9/13/2022</a:t>
+              <a:t>9/14/2022</a:t>
             </a:fld>
             <a:endParaRPr lang="en-US" dirty="0"/>
           </a:p>
@@ -1998,7 +1989,7 @@
           <a:p>
             <a:fld id="{4509A250-FF31-4206-8172-F9D3106AACB1}" type="datetimeFigureOut">
               <a:rPr lang="en-US" dirty="0"/>
-              <a:t>9/13/2022</a:t>
+              <a:t>9/14/2022</a:t>
             </a:fld>
             <a:endParaRPr lang="en-US" dirty="0"/>
           </a:p>
@@ -2840,7 +2831,7 @@
           <a:p>
             <a:fld id="{4509A250-FF31-4206-8172-F9D3106AACB1}" type="datetimeFigureOut">
               <a:rPr lang="en-US" dirty="0"/>
-              <a:t>9/13/2022</a:t>
+              <a:t>9/14/2022</a:t>
             </a:fld>
             <a:endParaRPr lang="en-US" dirty="0"/>
           </a:p>
@@ -3005,7 +2996,7 @@
           <a:p>
             <a:fld id="{4509A250-FF31-4206-8172-F9D3106AACB1}" type="datetimeFigureOut">
               <a:rPr lang="en-US" dirty="0"/>
-              <a:t>9/13/2022</a:t>
+              <a:t>9/14/2022</a:t>
             </a:fld>
             <a:endParaRPr lang="en-US" dirty="0"/>
           </a:p>
@@ -3180,7 +3171,7 @@
           <a:p>
             <a:fld id="{4509A250-FF31-4206-8172-F9D3106AACB1}" type="datetimeFigureOut">
               <a:rPr lang="en-US" dirty="0"/>
-              <a:t>9/13/2022</a:t>
+              <a:t>9/14/2022</a:t>
             </a:fld>
             <a:endParaRPr lang="en-US" dirty="0"/>
           </a:p>
@@ -3345,7 +3336,7 @@
           <a:p>
             <a:fld id="{9796027F-7875-4030-9381-8BD8C4F21935}" type="datetimeFigureOut">
               <a:rPr lang="en-US" dirty="0"/>
-              <a:t>9/13/2022</a:t>
+              <a:t>9/14/2022</a:t>
             </a:fld>
             <a:endParaRPr lang="en-US" dirty="0"/>
           </a:p>
@@ -3587,7 +3578,7 @@
           <a:p>
             <a:fld id="{9796027F-7875-4030-9381-8BD8C4F21935}" type="datetimeFigureOut">
               <a:rPr lang="en-US" dirty="0"/>
-              <a:t>9/13/2022</a:t>
+              <a:t>9/14/2022</a:t>
             </a:fld>
             <a:endParaRPr lang="en-US" dirty="0"/>
           </a:p>
@@ -3874,7 +3865,7 @@
           <a:p>
             <a:fld id="{9796027F-7875-4030-9381-8BD8C4F21935}" type="datetimeFigureOut">
               <a:rPr lang="en-US" dirty="0"/>
-              <a:t>9/13/2022</a:t>
+              <a:t>9/14/2022</a:t>
             </a:fld>
             <a:endParaRPr lang="en-US" dirty="0"/>
           </a:p>
@@ -4313,7 +4304,7 @@
           <a:p>
             <a:fld id="{9796027F-7875-4030-9381-8BD8C4F21935}" type="datetimeFigureOut">
               <a:rPr lang="en-US" dirty="0"/>
-              <a:t>9/13/2022</a:t>
+              <a:t>9/14/2022</a:t>
             </a:fld>
             <a:endParaRPr lang="en-US" dirty="0"/>
           </a:p>
@@ -4426,7 +4417,7 @@
           <a:p>
             <a:fld id="{4509A250-FF31-4206-8172-F9D3106AACB1}" type="datetimeFigureOut">
               <a:rPr lang="en-US" dirty="0"/>
-              <a:t>9/13/2022</a:t>
+              <a:t>9/14/2022</a:t>
             </a:fld>
             <a:endParaRPr lang="en-US" dirty="0"/>
           </a:p>
@@ -4516,7 +4507,7 @@
           <a:p>
             <a:fld id="{4509A250-FF31-4206-8172-F9D3106AACB1}" type="datetimeFigureOut">
               <a:rPr lang="en-US" dirty="0"/>
-              <a:t>9/13/2022</a:t>
+              <a:t>9/14/2022</a:t>
             </a:fld>
             <a:endParaRPr lang="en-US" dirty="0"/>
           </a:p>
@@ -4790,7 +4781,7 @@
           <a:p>
             <a:fld id="{4509A250-FF31-4206-8172-F9D3106AACB1}" type="datetimeFigureOut">
               <a:rPr lang="en-US" dirty="0"/>
-              <a:t>9/13/2022</a:t>
+              <a:t>9/14/2022</a:t>
             </a:fld>
             <a:endParaRPr lang="en-US" dirty="0"/>
           </a:p>
@@ -5060,7 +5051,7 @@
           <a:p>
             <a:fld id="{4509A250-FF31-4206-8172-F9D3106AACB1}" type="datetimeFigureOut">
               <a:rPr lang="en-US" dirty="0"/>
-              <a:t>9/13/2022</a:t>
+              <a:t>9/14/2022</a:t>
             </a:fld>
             <a:endParaRPr lang="en-US" dirty="0"/>
           </a:p>
@@ -5478,7 +5469,7 @@
           <a:p>
             <a:fld id="{4AAD347D-5ACD-4C99-B74B-A9C85AD731AF}" type="datetimeFigureOut">
               <a:rPr lang="en-US" dirty="0"/>
-              <a:t>9/13/2022</a:t>
+              <a:t>9/14/2022</a:t>
             </a:fld>
             <a:endParaRPr lang="en-US" dirty="0"/>
           </a:p>
@@ -6347,6 +6338,13 @@
           <a:p>
             <a:r>
               <a:rPr lang="hu-HU" dirty="0" smtClean="0"/>
+              <a:t>Egyszerű</a:t>
+            </a:r>
+            <a:endParaRPr lang="hu-HU" dirty="0" smtClean="0"/>
+          </a:p>
+          <a:p>
+            <a:r>
+              <a:rPr lang="hu-HU" dirty="0" smtClean="0"/>
               <a:t>Könnyen </a:t>
             </a:r>
             <a:r>
@@ -6357,14 +6355,11 @@
           <a:p>
             <a:r>
               <a:rPr lang="hu-HU" dirty="0" smtClean="0"/>
-              <a:t>Egyszerűbb, mint a C/C++ vagy a JAVA</a:t>
-            </a:r>
-            <a:endParaRPr lang="hu-HU" dirty="0" smtClean="0"/>
-          </a:p>
-          <a:p>
+              <a:t>Objektum </a:t>
+            </a:r>
             <a:r>
               <a:rPr lang="hu-HU" dirty="0" smtClean="0"/>
-              <a:t>Objektum Orientált</a:t>
+              <a:t>Orientált</a:t>
             </a:r>
           </a:p>
           <a:p>
@@ -6419,7 +6414,6 @@
               <a:rPr lang="hu-HU" dirty="0" smtClean="0"/>
               <a:t>Gépi tanuláshoz elengedhetetlen</a:t>
             </a:r>
-            <a:endParaRPr lang="hu-HU" dirty="0" smtClean="0"/>
           </a:p>
           <a:p>
             <a:endParaRPr lang="hu-HU" dirty="0"/>
@@ -6496,7 +6490,18 @@
           <a:p>
             <a:r>
               <a:rPr lang="hu-HU" dirty="0" smtClean="0"/>
-              <a:t>Korlátozott a sebessége</a:t>
+              <a:t>Egyszerű</a:t>
+            </a:r>
+            <a:endParaRPr lang="hu-HU" dirty="0" smtClean="0"/>
+          </a:p>
+          <a:p>
+            <a:r>
+              <a:rPr lang="hu-HU" dirty="0" smtClean="0"/>
+              <a:t>Korlátozott </a:t>
+            </a:r>
+            <a:r>
+              <a:rPr lang="hu-HU" dirty="0" smtClean="0"/>
+              <a:t>a sebessége</a:t>
             </a:r>
           </a:p>
           <a:p>
@@ -6522,6 +6527,20 @@
               <a:rPr lang="hu-HU" dirty="0" smtClean="0"/>
               <a:t>.</a:t>
             </a:r>
+          </a:p>
+          <a:p>
+            <a:r>
+              <a:rPr lang="pt-BR" dirty="0"/>
+              <a:t>Nem natív a mobil </a:t>
+            </a:r>
+            <a:r>
+              <a:rPr lang="pt-BR" dirty="0" smtClean="0"/>
+              <a:t>környezethez</a:t>
+            </a:r>
+            <a:endParaRPr lang="hu-HU" dirty="0" smtClean="0"/>
+          </a:p>
+          <a:p>
+            <a:endParaRPr lang="hu-HU" dirty="0" smtClean="0"/>
           </a:p>
           <a:p>
             <a:endParaRPr lang="hu-HU" dirty="0"/>
@@ -6593,7 +6612,9 @@
         </p:nvSpPr>
         <p:spPr/>
         <p:txBody>
-          <a:bodyPr/>
+          <a:bodyPr>
+            <a:normAutofit lnSpcReduction="10000"/>
+          </a:bodyPr>
           <a:lstStyle/>
           <a:p>
             <a:r>
@@ -6683,6 +6704,24 @@
               </a:rPr>
               <a:t>laptop28.com/hu/a-python-elonyei-es-hatranyai-reszletes-leiras</a:t>
             </a:r>
+            <a:endParaRPr lang="hu-HU" dirty="0" smtClean="0"/>
+          </a:p>
+          <a:p>
+            <a:r>
+              <a:rPr lang="hu-HU" dirty="0">
+                <a:hlinkClick r:id="rId8"/>
+              </a:rPr>
+              <a:t>https://sgwebdigital.com/hu/python-el%C5%91nyei-%C3%A9s-h%C3%A1tr%C3%A1nyai</a:t>
+            </a:r>
+            <a:r>
+              <a:rPr lang="hu-HU" dirty="0" smtClean="0">
+                <a:hlinkClick r:id="rId8"/>
+              </a:rPr>
+              <a:t>/</a:t>
+            </a:r>
+            <a:endParaRPr lang="hu-HU" dirty="0" smtClean="0"/>
+          </a:p>
+          <a:p>
             <a:endParaRPr lang="hu-HU" dirty="0" smtClean="0"/>
           </a:p>
           <a:p>

--- a/Python, Javascript.pptx
+++ b/Python, Javascript.pptx
@@ -6,10 +6,14 @@
   </p:sldMasterIdLst>
   <p:sldIdLst>
     <p:sldId id="256" r:id="rId2"/>
-    <p:sldId id="257" r:id="rId3"/>
-    <p:sldId id="259" r:id="rId4"/>
-    <p:sldId id="260" r:id="rId5"/>
-    <p:sldId id="258" r:id="rId6"/>
+    <p:sldId id="262" r:id="rId3"/>
+    <p:sldId id="263" r:id="rId4"/>
+    <p:sldId id="264" r:id="rId5"/>
+    <p:sldId id="257" r:id="rId6"/>
+    <p:sldId id="259" r:id="rId7"/>
+    <p:sldId id="260" r:id="rId8"/>
+    <p:sldId id="261" r:id="rId9"/>
+    <p:sldId id="258" r:id="rId10"/>
   </p:sldIdLst>
   <p:sldSz cx="12192000" cy="6858000"/>
   <p:notesSz cx="6858000" cy="9144000"/>
@@ -328,7 +332,7 @@
           <a:p>
             <a:fld id="{4AAD347D-5ACD-4C99-B74B-A9C85AD731AF}" type="datetimeFigureOut">
               <a:rPr lang="en-US" dirty="0"/>
-              <a:t>9/14/2022</a:t>
+              <a:t>9/15/2022</a:t>
             </a:fld>
             <a:endParaRPr lang="en-US" dirty="0"/>
           </a:p>
@@ -598,7 +602,7 @@
           <a:p>
             <a:fld id="{4509A250-FF31-4206-8172-F9D3106AACB1}" type="datetimeFigureOut">
               <a:rPr lang="en-US" dirty="0"/>
-              <a:t>9/14/2022</a:t>
+              <a:t>9/15/2022</a:t>
             </a:fld>
             <a:endParaRPr lang="en-US" dirty="0"/>
           </a:p>
@@ -787,7 +791,7 @@
           <a:p>
             <a:fld id="{4509A250-FF31-4206-8172-F9D3106AACB1}" type="datetimeFigureOut">
               <a:rPr lang="en-US" dirty="0"/>
-              <a:t>9/14/2022</a:t>
+              <a:t>9/15/2022</a:t>
             </a:fld>
             <a:endParaRPr lang="en-US" dirty="0"/>
           </a:p>
@@ -1053,7 +1057,7 @@
           <a:p>
             <a:fld id="{4509A250-FF31-4206-8172-F9D3106AACB1}" type="datetimeFigureOut">
               <a:rPr lang="en-US" dirty="0"/>
-              <a:t>9/14/2022</a:t>
+              <a:t>9/15/2022</a:t>
             </a:fld>
             <a:endParaRPr lang="en-US" dirty="0"/>
           </a:p>
@@ -1375,7 +1379,7 @@
           <a:p>
             <a:fld id="{4509A250-FF31-4206-8172-F9D3106AACB1}" type="datetimeFigureOut">
               <a:rPr lang="en-US" dirty="0"/>
-              <a:t>9/14/2022</a:t>
+              <a:t>9/15/2022</a:t>
             </a:fld>
             <a:endParaRPr lang="en-US" dirty="0"/>
           </a:p>
@@ -1989,7 +1993,7 @@
           <a:p>
             <a:fld id="{4509A250-FF31-4206-8172-F9D3106AACB1}" type="datetimeFigureOut">
               <a:rPr lang="en-US" dirty="0"/>
-              <a:t>9/14/2022</a:t>
+              <a:t>9/15/2022</a:t>
             </a:fld>
             <a:endParaRPr lang="en-US" dirty="0"/>
           </a:p>
@@ -2831,7 +2835,7 @@
           <a:p>
             <a:fld id="{4509A250-FF31-4206-8172-F9D3106AACB1}" type="datetimeFigureOut">
               <a:rPr lang="en-US" dirty="0"/>
-              <a:t>9/14/2022</a:t>
+              <a:t>9/15/2022</a:t>
             </a:fld>
             <a:endParaRPr lang="en-US" dirty="0"/>
           </a:p>
@@ -2996,7 +3000,7 @@
           <a:p>
             <a:fld id="{4509A250-FF31-4206-8172-F9D3106AACB1}" type="datetimeFigureOut">
               <a:rPr lang="en-US" dirty="0"/>
-              <a:t>9/14/2022</a:t>
+              <a:t>9/15/2022</a:t>
             </a:fld>
             <a:endParaRPr lang="en-US" dirty="0"/>
           </a:p>
@@ -3171,7 +3175,7 @@
           <a:p>
             <a:fld id="{4509A250-FF31-4206-8172-F9D3106AACB1}" type="datetimeFigureOut">
               <a:rPr lang="en-US" dirty="0"/>
-              <a:t>9/14/2022</a:t>
+              <a:t>9/15/2022</a:t>
             </a:fld>
             <a:endParaRPr lang="en-US" dirty="0"/>
           </a:p>
@@ -3336,7 +3340,7 @@
           <a:p>
             <a:fld id="{9796027F-7875-4030-9381-8BD8C4F21935}" type="datetimeFigureOut">
               <a:rPr lang="en-US" dirty="0"/>
-              <a:t>9/14/2022</a:t>
+              <a:t>9/15/2022</a:t>
             </a:fld>
             <a:endParaRPr lang="en-US" dirty="0"/>
           </a:p>
@@ -3578,7 +3582,7 @@
           <a:p>
             <a:fld id="{9796027F-7875-4030-9381-8BD8C4F21935}" type="datetimeFigureOut">
               <a:rPr lang="en-US" dirty="0"/>
-              <a:t>9/14/2022</a:t>
+              <a:t>9/15/2022</a:t>
             </a:fld>
             <a:endParaRPr lang="en-US" dirty="0"/>
           </a:p>
@@ -3865,7 +3869,7 @@
           <a:p>
             <a:fld id="{9796027F-7875-4030-9381-8BD8C4F21935}" type="datetimeFigureOut">
               <a:rPr lang="en-US" dirty="0"/>
-              <a:t>9/14/2022</a:t>
+              <a:t>9/15/2022</a:t>
             </a:fld>
             <a:endParaRPr lang="en-US" dirty="0"/>
           </a:p>
@@ -4304,7 +4308,7 @@
           <a:p>
             <a:fld id="{9796027F-7875-4030-9381-8BD8C4F21935}" type="datetimeFigureOut">
               <a:rPr lang="en-US" dirty="0"/>
-              <a:t>9/14/2022</a:t>
+              <a:t>9/15/2022</a:t>
             </a:fld>
             <a:endParaRPr lang="en-US" dirty="0"/>
           </a:p>
@@ -4417,7 +4421,7 @@
           <a:p>
             <a:fld id="{4509A250-FF31-4206-8172-F9D3106AACB1}" type="datetimeFigureOut">
               <a:rPr lang="en-US" dirty="0"/>
-              <a:t>9/14/2022</a:t>
+              <a:t>9/15/2022</a:t>
             </a:fld>
             <a:endParaRPr lang="en-US" dirty="0"/>
           </a:p>
@@ -4507,7 +4511,7 @@
           <a:p>
             <a:fld id="{4509A250-FF31-4206-8172-F9D3106AACB1}" type="datetimeFigureOut">
               <a:rPr lang="en-US" dirty="0"/>
-              <a:t>9/14/2022</a:t>
+              <a:t>9/15/2022</a:t>
             </a:fld>
             <a:endParaRPr lang="en-US" dirty="0"/>
           </a:p>
@@ -4781,7 +4785,7 @@
           <a:p>
             <a:fld id="{4509A250-FF31-4206-8172-F9D3106AACB1}" type="datetimeFigureOut">
               <a:rPr lang="en-US" dirty="0"/>
-              <a:t>9/14/2022</a:t>
+              <a:t>9/15/2022</a:t>
             </a:fld>
             <a:endParaRPr lang="en-US" dirty="0"/>
           </a:p>
@@ -5051,7 +5055,7 @@
           <a:p>
             <a:fld id="{4509A250-FF31-4206-8172-F9D3106AACB1}" type="datetimeFigureOut">
               <a:rPr lang="en-US" dirty="0"/>
-              <a:t>9/14/2022</a:t>
+              <a:t>9/15/2022</a:t>
             </a:fld>
             <a:endParaRPr lang="en-US" dirty="0"/>
           </a:p>
@@ -5469,7 +5473,7 @@
           <a:p>
             <a:fld id="{4AAD347D-5ACD-4C99-B74B-A9C85AD731AF}" type="datetimeFigureOut">
               <a:rPr lang="en-US" dirty="0"/>
-              <a:t>9/14/2022</a:t>
+              <a:t>9/15/2022</a:t>
             </a:fld>
             <a:endParaRPr lang="en-US" dirty="0"/>
           </a:p>
@@ -6010,14 +6014,22 @@
           <a:p>
             <a:r>
               <a:rPr lang="hu-HU" dirty="0" smtClean="0"/>
-              <a:t>Python, JavaScript </a:t>
+              <a:t>Python </a:t>
+            </a:r>
+            <a:r>
+              <a:rPr lang="hu-HU" dirty="0" smtClean="0"/>
+              <a:t/>
             </a:r>
             <a:br>
               <a:rPr lang="hu-HU" dirty="0" smtClean="0"/>
             </a:br>
             <a:r>
               <a:rPr lang="hu-HU" dirty="0" smtClean="0"/>
-              <a:t>programozási nyelvek</a:t>
+              <a:t>programozási </a:t>
+            </a:r>
+            <a:r>
+              <a:rPr lang="hu-HU" dirty="0" smtClean="0"/>
+              <a:t>nyelv</a:t>
             </a:r>
             <a:endParaRPr lang="hu-HU" dirty="0"/>
           </a:p>
@@ -6076,36 +6088,6 @@
           </a:prstGeom>
         </p:spPr>
       </p:pic>
-      <p:pic>
-        <p:nvPicPr>
-          <p:cNvPr id="6" name="Kép 5"/>
-          <p:cNvPicPr>
-            <a:picLocks noChangeAspect="1"/>
-          </p:cNvPicPr>
-          <p:nvPr/>
-        </p:nvPicPr>
-        <p:blipFill>
-          <a:blip r:embed="rId3">
-            <a:extLst>
-              <a:ext uri="{28A0092B-C50C-407E-A947-70E740481C1C}">
-                <a14:useLocalDpi xmlns:a14="http://schemas.microsoft.com/office/drawing/2010/main" val="0"/>
-              </a:ext>
-            </a:extLst>
-          </a:blip>
-          <a:stretch>
-            <a:fillRect/>
-          </a:stretch>
-        </p:blipFill>
-        <p:spPr>
-          <a:xfrm>
-            <a:off x="9664700" y="2032000"/>
-            <a:ext cx="2095500" cy="2095500"/>
-          </a:xfrm>
-          <a:prstGeom prst="rect">
-            <a:avLst/>
-          </a:prstGeom>
-        </p:spPr>
-      </p:pic>
     </p:spTree>
     <p:extLst>
       <p:ext uri="{BB962C8B-B14F-4D97-AF65-F5344CB8AC3E}">
@@ -6116,6 +6098,13 @@
   <p:clrMapOvr>
     <a:masterClrMapping/>
   </p:clrMapOvr>
+  <p:timing>
+    <p:tnLst>
+      <p:par>
+        <p:cTn id="1" dur="indefinite" restart="never" nodeType="tmRoot"/>
+      </p:par>
+    </p:tnLst>
+  </p:timing>
 </p:sld>
 </file>
 
@@ -6151,133 +6140,76 @@
           <a:bodyPr/>
           <a:lstStyle/>
           <a:p>
-            <a:r>
-              <a:rPr lang="hu-HU" dirty="0" smtClean="0"/>
-              <a:t>Python</a:t>
-            </a:r>
+            <a:endParaRPr lang="hu-HU"/>
+          </a:p>
+        </p:txBody>
+      </p:sp>
+      <p:pic>
+        <p:nvPicPr>
+          <p:cNvPr id="5" name="Kép 4"/>
+          <p:cNvPicPr>
+            <a:picLocks noChangeAspect="1"/>
+          </p:cNvPicPr>
+          <p:nvPr/>
+        </p:nvPicPr>
+        <p:blipFill>
+          <a:blip r:embed="rId2">
+            <a:extLst>
+              <a:ext uri="{28A0092B-C50C-407E-A947-70E740481C1C}">
+                <a14:useLocalDpi xmlns:a14="http://schemas.microsoft.com/office/drawing/2010/main" val="0"/>
+              </a:ext>
+            </a:extLst>
+          </a:blip>
+          <a:stretch>
+            <a:fillRect/>
+          </a:stretch>
+        </p:blipFill>
+        <p:spPr>
+          <a:xfrm>
+            <a:off x="3292359" y="2363592"/>
+            <a:ext cx="3931396" cy="2201582"/>
+          </a:xfrm>
+          <a:prstGeom prst="rect">
+            <a:avLst/>
+          </a:prstGeom>
+        </p:spPr>
+      </p:pic>
+      <p:sp>
+        <p:nvSpPr>
+          <p:cNvPr id="9" name="Tartalom helye 8"/>
+          <p:cNvSpPr>
+            <a:spLocks noGrp="1"/>
+          </p:cNvSpPr>
+          <p:nvPr>
+            <p:ph idx="1"/>
+          </p:nvPr>
+        </p:nvSpPr>
+        <p:spPr/>
+        <p:txBody>
+          <a:bodyPr/>
+          <a:lstStyle/>
+          <a:p>
             <a:endParaRPr lang="hu-HU" dirty="0"/>
-          </a:p>
-        </p:txBody>
-      </p:sp>
-      <p:sp>
-        <p:nvSpPr>
-          <p:cNvPr id="3" name="Tartalom helye 2"/>
-          <p:cNvSpPr>
-            <a:spLocks noGrp="1"/>
-          </p:cNvSpPr>
-          <p:nvPr>
-            <p:ph idx="1"/>
-          </p:nvPr>
-        </p:nvSpPr>
-        <p:spPr/>
-        <p:txBody>
-          <a:bodyPr/>
-          <a:lstStyle/>
-          <a:p>
-            <a:r>
-              <a:rPr lang="hu-HU" dirty="0" smtClean="0"/>
-              <a:t>Eredete: :</a:t>
-            </a:r>
-          </a:p>
-          <a:p>
-            <a:pPr lvl="1"/>
-            <a:r>
-              <a:rPr lang="hu-HU" dirty="0" smtClean="0"/>
-              <a:t>Guido van Rossum, 1989 -&gt; fejlesztés kezdete, 1991 -&gt; publikálása</a:t>
-            </a:r>
-          </a:p>
-          <a:p>
-            <a:pPr lvl="1"/>
-            <a:r>
-              <a:rPr lang="hu-HU" dirty="0" smtClean="0"/>
-              <a:t>Monty Python</a:t>
-            </a:r>
-          </a:p>
-          <a:p>
-            <a:pPr lvl="1"/>
-            <a:r>
-              <a:rPr lang="hu-HU" dirty="0" smtClean="0"/>
-              <a:t>Filozófiája:</a:t>
-            </a:r>
-          </a:p>
-          <a:p>
-            <a:pPr marL="914400" lvl="2" indent="0">
-              <a:buNone/>
-            </a:pPr>
-            <a:r>
-              <a:rPr lang="hu-HU" i="1" dirty="0" smtClean="0"/>
-              <a:t>„</a:t>
-            </a:r>
-            <a:r>
-              <a:rPr lang="en-US" i="1" dirty="0" smtClean="0"/>
-              <a:t>Beautiful </a:t>
-            </a:r>
-            <a:r>
-              <a:rPr lang="en-US" i="1" dirty="0"/>
-              <a:t>is better than ugly.</a:t>
-            </a:r>
-          </a:p>
-          <a:p>
-            <a:pPr marL="914400" lvl="2" indent="0">
-              <a:buNone/>
-            </a:pPr>
-            <a:r>
-              <a:rPr lang="en-US" i="1" dirty="0"/>
-              <a:t>Explicit is better than implicit.</a:t>
-            </a:r>
-          </a:p>
-          <a:p>
-            <a:pPr marL="914400" lvl="2" indent="0">
-              <a:buNone/>
-            </a:pPr>
-            <a:r>
-              <a:rPr lang="en-US" i="1" dirty="0"/>
-              <a:t>Simple is better than complex.</a:t>
-            </a:r>
-          </a:p>
-          <a:p>
-            <a:pPr marL="914400" lvl="2" indent="0">
-              <a:buNone/>
-            </a:pPr>
-            <a:r>
-              <a:rPr lang="en-US" i="1" dirty="0"/>
-              <a:t>Complex is better than complicated.</a:t>
-            </a:r>
-          </a:p>
-          <a:p>
-            <a:pPr marL="914400" lvl="2" indent="0">
-              <a:buNone/>
-            </a:pPr>
-            <a:r>
-              <a:rPr lang="en-US" i="1" dirty="0"/>
-              <a:t>Readability counts</a:t>
-            </a:r>
-            <a:r>
-              <a:rPr lang="en-US" i="1" dirty="0" smtClean="0"/>
-              <a:t>.</a:t>
-            </a:r>
-            <a:r>
-              <a:rPr lang="hu-HU" i="1" dirty="0" smtClean="0"/>
-              <a:t>”</a:t>
-            </a:r>
-            <a:endParaRPr lang="hu-HU" i="1" dirty="0"/>
-          </a:p>
-          <a:p>
-            <a:pPr lvl="1"/>
-            <a:endParaRPr lang="hu-HU" dirty="0" smtClean="0"/>
           </a:p>
         </p:txBody>
       </p:sp>
     </p:spTree>
     <p:extLst>
       <p:ext uri="{BB962C8B-B14F-4D97-AF65-F5344CB8AC3E}">
-        <p14:creationId xmlns:p14="http://schemas.microsoft.com/office/powerpoint/2010/main" val="2054557794"/>
+        <p14:creationId xmlns:p14="http://schemas.microsoft.com/office/powerpoint/2010/main" val="657269143"/>
       </p:ext>
     </p:extLst>
   </p:cSld>
   <p:clrMapOvr>
     <a:masterClrMapping/>
   </p:clrMapOvr>
+  <p:timing>
+    <p:tnLst>
+      <p:par>
+        <p:cTn id="1" dur="indefinite" restart="never" nodeType="tmRoot"/>
+      </p:par>
+    </p:tnLst>
+  </p:timing>
 </p:sld>
 </file>
 
@@ -6313,11 +6245,7 @@
           <a:bodyPr/>
           <a:lstStyle/>
           <a:p>
-            <a:r>
-              <a:rPr lang="hu-HU" dirty="0" smtClean="0"/>
-              <a:t>Python előnyei:</a:t>
-            </a:r>
-            <a:endParaRPr lang="hu-HU" dirty="0"/>
+            <a:endParaRPr lang="hu-HU"/>
           </a:p>
         </p:txBody>
       </p:sp>
@@ -6336,94 +6264,44 @@
           <a:bodyPr/>
           <a:lstStyle/>
           <a:p>
-            <a:r>
-              <a:rPr lang="hu-HU" dirty="0" smtClean="0"/>
-              <a:t>Egyszerű</a:t>
-            </a:r>
-            <a:endParaRPr lang="hu-HU" dirty="0" smtClean="0"/>
-          </a:p>
-          <a:p>
-            <a:r>
-              <a:rPr lang="hu-HU" dirty="0" smtClean="0"/>
-              <a:t>Könnyen </a:t>
-            </a:r>
-            <a:r>
-              <a:rPr lang="hu-HU" dirty="0" smtClean="0"/>
-              <a:t>olvasható</a:t>
-            </a:r>
-          </a:p>
-          <a:p>
-            <a:r>
-              <a:rPr lang="hu-HU" dirty="0" smtClean="0"/>
-              <a:t>Objektum </a:t>
-            </a:r>
-            <a:r>
-              <a:rPr lang="hu-HU" dirty="0" smtClean="0"/>
-              <a:t>Orientált</a:t>
-            </a:r>
-          </a:p>
-          <a:p>
-            <a:r>
-              <a:rPr lang="hu-HU" dirty="0" smtClean="0"/>
-              <a:t>Népszerű – lehagyta a többi nyelvet a </a:t>
-            </a:r>
-            <a:r>
-              <a:rPr lang="hu-HU" dirty="0" err="1" smtClean="0"/>
-              <a:t>stackoverflow-on</a:t>
-            </a:r>
-            <a:r>
-              <a:rPr lang="hu-HU" dirty="0" smtClean="0"/>
-              <a:t> </a:t>
-            </a:r>
-          </a:p>
-          <a:p>
-            <a:r>
-              <a:rPr lang="hu-HU" dirty="0" smtClean="0"/>
-              <a:t>A nagyobb cégek használják(pl. Google, Facebook, </a:t>
-            </a:r>
-            <a:r>
-              <a:rPr lang="hu-HU" dirty="0" err="1" smtClean="0"/>
-              <a:t>Uber</a:t>
-            </a:r>
-            <a:r>
-              <a:rPr lang="hu-HU" dirty="0" smtClean="0"/>
-              <a:t>, </a:t>
-            </a:r>
-            <a:r>
-              <a:rPr lang="hu-HU" dirty="0" err="1" smtClean="0"/>
-              <a:t>Nasa</a:t>
-            </a:r>
-            <a:r>
-              <a:rPr lang="hu-HU" dirty="0" smtClean="0"/>
-              <a:t>) </a:t>
-            </a:r>
-          </a:p>
-          <a:p>
-            <a:r>
-              <a:rPr lang="hu-HU" dirty="0" smtClean="0"/>
-              <a:t>Ingyenes az összes könyvtárával együtt – Open </a:t>
-            </a:r>
-            <a:r>
-              <a:rPr lang="hu-HU" dirty="0" err="1" smtClean="0"/>
-              <a:t>Source</a:t>
-            </a:r>
-            <a:endParaRPr lang="hu-HU" dirty="0" smtClean="0"/>
-          </a:p>
-          <a:p>
-            <a:r>
-              <a:rPr lang="hu-HU" dirty="0" smtClean="0"/>
-              <a:t>Gépi tanuláshoz elengedhetetlen</a:t>
-            </a:r>
-          </a:p>
-          <a:p>
-            <a:endParaRPr lang="hu-HU" dirty="0"/>
-          </a:p>
-        </p:txBody>
-      </p:sp>
+            <a:endParaRPr lang="hu-HU"/>
+          </a:p>
+        </p:txBody>
+      </p:sp>
+      <p:pic>
+        <p:nvPicPr>
+          <p:cNvPr id="4" name="Kép 3"/>
+          <p:cNvPicPr>
+            <a:picLocks noChangeAspect="1"/>
+          </p:cNvPicPr>
+          <p:nvPr/>
+        </p:nvPicPr>
+        <p:blipFill>
+          <a:blip r:embed="rId2">
+            <a:extLst>
+              <a:ext uri="{28A0092B-C50C-407E-A947-70E740481C1C}">
+                <a14:useLocalDpi xmlns:a14="http://schemas.microsoft.com/office/drawing/2010/main" val="0"/>
+              </a:ext>
+            </a:extLst>
+          </a:blip>
+          <a:stretch>
+            <a:fillRect/>
+          </a:stretch>
+        </p:blipFill>
+        <p:spPr>
+          <a:xfrm>
+            <a:off x="2045982" y="1051383"/>
+            <a:ext cx="6858000" cy="4762500"/>
+          </a:xfrm>
+          <a:prstGeom prst="rect">
+            <a:avLst/>
+          </a:prstGeom>
+        </p:spPr>
+      </p:pic>
     </p:spTree>
     <p:extLst>
       <p:ext uri="{BB962C8B-B14F-4D97-AF65-F5344CB8AC3E}">
-        <p14:creationId xmlns:p14="http://schemas.microsoft.com/office/powerpoint/2010/main" val="3151430493"/>
+        <p14:creationId xmlns:p14="http://schemas.microsoft.com/office/powerpoint/2010/main" val="3700610787"/>
       </p:ext>
     </p:extLst>
   </p:cSld>
@@ -6465,11 +6343,7 @@
           <a:bodyPr/>
           <a:lstStyle/>
           <a:p>
-            <a:r>
-              <a:rPr lang="hu-HU" dirty="0" smtClean="0"/>
-              <a:t>Hátrányai: </a:t>
-            </a:r>
-            <a:endParaRPr lang="hu-HU" dirty="0"/>
+            <a:endParaRPr lang="hu-HU"/>
           </a:p>
         </p:txBody>
       </p:sp>
@@ -6488,69 +6362,44 @@
           <a:bodyPr/>
           <a:lstStyle/>
           <a:p>
-            <a:r>
-              <a:rPr lang="hu-HU" dirty="0" smtClean="0"/>
-              <a:t>Egyszerű</a:t>
-            </a:r>
-            <a:endParaRPr lang="hu-HU" dirty="0" smtClean="0"/>
-          </a:p>
-          <a:p>
-            <a:r>
-              <a:rPr lang="hu-HU" dirty="0" smtClean="0"/>
-              <a:t>Korlátozott </a:t>
-            </a:r>
-            <a:r>
-              <a:rPr lang="hu-HU" dirty="0" smtClean="0"/>
-              <a:t>a sebessége</a:t>
-            </a:r>
-          </a:p>
-          <a:p>
-            <a:r>
-              <a:rPr lang="hu-HU" dirty="0" smtClean="0"/>
-              <a:t>Hatalmas mennyiségű memóriát használ.</a:t>
-            </a:r>
-          </a:p>
-          <a:p>
-            <a:r>
-              <a:rPr lang="hu-HU" dirty="0"/>
-              <a:t>N</a:t>
-            </a:r>
-            <a:r>
-              <a:rPr lang="hu-HU" dirty="0" smtClean="0"/>
-              <a:t>em megfelelő interaktivitás </a:t>
-            </a:r>
-            <a:r>
-              <a:rPr lang="hu-HU" dirty="0"/>
-              <a:t>az adatbázissal</a:t>
-            </a:r>
-            <a:r>
-              <a:rPr lang="hu-HU" dirty="0" smtClean="0"/>
-              <a:t>.</a:t>
-            </a:r>
-          </a:p>
-          <a:p>
-            <a:r>
-              <a:rPr lang="pt-BR" dirty="0"/>
-              <a:t>Nem natív a mobil </a:t>
-            </a:r>
-            <a:r>
-              <a:rPr lang="pt-BR" dirty="0" smtClean="0"/>
-              <a:t>környezethez</a:t>
-            </a:r>
-            <a:endParaRPr lang="hu-HU" dirty="0" smtClean="0"/>
-          </a:p>
-          <a:p>
-            <a:endParaRPr lang="hu-HU" dirty="0" smtClean="0"/>
-          </a:p>
-          <a:p>
-            <a:endParaRPr lang="hu-HU" dirty="0"/>
-          </a:p>
-        </p:txBody>
-      </p:sp>
+            <a:endParaRPr lang="hu-HU"/>
+          </a:p>
+        </p:txBody>
+      </p:sp>
+      <p:pic>
+        <p:nvPicPr>
+          <p:cNvPr id="4" name="Tartalom helye 7"/>
+          <p:cNvPicPr>
+            <a:picLocks noChangeAspect="1"/>
+          </p:cNvPicPr>
+          <p:nvPr/>
+        </p:nvPicPr>
+        <p:blipFill>
+          <a:blip r:embed="rId2">
+            <a:extLst>
+              <a:ext uri="{28A0092B-C50C-407E-A947-70E740481C1C}">
+                <a14:useLocalDpi xmlns:a14="http://schemas.microsoft.com/office/drawing/2010/main" val="0"/>
+              </a:ext>
+            </a:extLst>
+          </a:blip>
+          <a:stretch>
+            <a:fillRect/>
+          </a:stretch>
+        </p:blipFill>
+        <p:spPr>
+          <a:xfrm>
+            <a:off x="2433787" y="1152983"/>
+            <a:ext cx="7616066" cy="4760041"/>
+          </a:xfrm>
+          <a:prstGeom prst="rect">
+            <a:avLst/>
+          </a:prstGeom>
+        </p:spPr>
+      </p:pic>
     </p:spTree>
     <p:extLst>
       <p:ext uri="{BB962C8B-B14F-4D97-AF65-F5344CB8AC3E}">
-        <p14:creationId xmlns:p14="http://schemas.microsoft.com/office/powerpoint/2010/main" val="2571161646"/>
+        <p14:creationId xmlns:p14="http://schemas.microsoft.com/office/powerpoint/2010/main" val="3008517698"/>
       </p:ext>
     </p:extLst>
   </p:cSld>
@@ -6594,6 +6443,547 @@
           <a:p>
             <a:r>
               <a:rPr lang="hu-HU" dirty="0" smtClean="0"/>
+              <a:t>Python</a:t>
+            </a:r>
+            <a:endParaRPr lang="hu-HU" dirty="0"/>
+          </a:p>
+        </p:txBody>
+      </p:sp>
+      <p:sp>
+        <p:nvSpPr>
+          <p:cNvPr id="3" name="Tartalom helye 2"/>
+          <p:cNvSpPr>
+            <a:spLocks noGrp="1"/>
+          </p:cNvSpPr>
+          <p:nvPr>
+            <p:ph idx="1"/>
+          </p:nvPr>
+        </p:nvSpPr>
+        <p:spPr/>
+        <p:txBody>
+          <a:bodyPr/>
+          <a:lstStyle/>
+          <a:p>
+            <a:r>
+              <a:rPr lang="hu-HU" dirty="0" smtClean="0"/>
+              <a:t>Eredete: :</a:t>
+            </a:r>
+          </a:p>
+          <a:p>
+            <a:pPr lvl="1"/>
+            <a:r>
+              <a:rPr lang="hu-HU" i="1" dirty="0" smtClean="0"/>
+              <a:t>Guido van Rossum</a:t>
+            </a:r>
+            <a:r>
+              <a:rPr lang="hu-HU" dirty="0" smtClean="0"/>
+              <a:t>, 1989 -&gt; fejlesztés kezdete, 1991 -&gt; publikálása</a:t>
+            </a:r>
+          </a:p>
+          <a:p>
+            <a:pPr lvl="1"/>
+            <a:r>
+              <a:rPr lang="hu-HU" dirty="0" smtClean="0"/>
+              <a:t>Monty Python</a:t>
+            </a:r>
+          </a:p>
+          <a:p>
+            <a:pPr lvl="1"/>
+            <a:r>
+              <a:rPr lang="hu-HU" dirty="0" smtClean="0"/>
+              <a:t>Filozófiája:</a:t>
+            </a:r>
+          </a:p>
+          <a:p>
+            <a:pPr marL="914400" lvl="2" indent="0">
+              <a:buNone/>
+            </a:pPr>
+            <a:r>
+              <a:rPr lang="hu-HU" i="1" dirty="0" smtClean="0"/>
+              <a:t>„</a:t>
+            </a:r>
+            <a:r>
+              <a:rPr lang="en-US" i="1" dirty="0" smtClean="0"/>
+              <a:t>Beautiful </a:t>
+            </a:r>
+            <a:r>
+              <a:rPr lang="en-US" i="1" dirty="0"/>
+              <a:t>is better than ugly.</a:t>
+            </a:r>
+          </a:p>
+          <a:p>
+            <a:pPr marL="914400" lvl="2" indent="0">
+              <a:buNone/>
+            </a:pPr>
+            <a:r>
+              <a:rPr lang="en-US" i="1" dirty="0"/>
+              <a:t>Explicit is better than implicit.</a:t>
+            </a:r>
+          </a:p>
+          <a:p>
+            <a:pPr marL="914400" lvl="2" indent="0">
+              <a:buNone/>
+            </a:pPr>
+            <a:r>
+              <a:rPr lang="en-US" i="1" dirty="0"/>
+              <a:t>Simple is better than complex.</a:t>
+            </a:r>
+          </a:p>
+          <a:p>
+            <a:pPr marL="914400" lvl="2" indent="0">
+              <a:buNone/>
+            </a:pPr>
+            <a:r>
+              <a:rPr lang="en-US" i="1" dirty="0"/>
+              <a:t>Complex is better than complicated.</a:t>
+            </a:r>
+          </a:p>
+          <a:p>
+            <a:pPr marL="914400" lvl="2" indent="0">
+              <a:buNone/>
+            </a:pPr>
+            <a:r>
+              <a:rPr lang="en-US" i="1" dirty="0"/>
+              <a:t>Readability counts</a:t>
+            </a:r>
+            <a:r>
+              <a:rPr lang="en-US" i="1" dirty="0" smtClean="0"/>
+              <a:t>.</a:t>
+            </a:r>
+            <a:r>
+              <a:rPr lang="hu-HU" i="1" dirty="0" smtClean="0"/>
+              <a:t>”</a:t>
+            </a:r>
+            <a:endParaRPr lang="hu-HU" i="1" dirty="0"/>
+          </a:p>
+          <a:p>
+            <a:pPr lvl="1"/>
+            <a:endParaRPr lang="hu-HU" dirty="0" smtClean="0"/>
+          </a:p>
+        </p:txBody>
+      </p:sp>
+    </p:spTree>
+    <p:extLst>
+      <p:ext uri="{BB962C8B-B14F-4D97-AF65-F5344CB8AC3E}">
+        <p14:creationId xmlns:p14="http://schemas.microsoft.com/office/powerpoint/2010/main" val="2054557794"/>
+      </p:ext>
+    </p:extLst>
+  </p:cSld>
+  <p:clrMapOvr>
+    <a:masterClrMapping/>
+  </p:clrMapOvr>
+  <p:timing>
+    <p:tnLst>
+      <p:par>
+        <p:cTn id="1" dur="indefinite" restart="never" nodeType="tmRoot"/>
+      </p:par>
+    </p:tnLst>
+  </p:timing>
+</p:sld>
+</file>
+
+<file path=ppt/slides/slide6.xml><?xml version="1.0" encoding="utf-8"?>
+<p:sld xmlns:a="http://schemas.openxmlformats.org/drawingml/2006/main" xmlns:r="http://schemas.openxmlformats.org/officeDocument/2006/relationships" xmlns:p="http://schemas.openxmlformats.org/presentationml/2006/main">
+  <p:cSld>
+    <p:spTree>
+      <p:nvGrpSpPr>
+        <p:cNvPr id="1" name=""/>
+        <p:cNvGrpSpPr/>
+        <p:nvPr/>
+      </p:nvGrpSpPr>
+      <p:grpSpPr>
+        <a:xfrm>
+          <a:off x="0" y="0"/>
+          <a:ext cx="0" cy="0"/>
+          <a:chOff x="0" y="0"/>
+          <a:chExt cx="0" cy="0"/>
+        </a:xfrm>
+      </p:grpSpPr>
+      <p:sp>
+        <p:nvSpPr>
+          <p:cNvPr id="2" name="Cím 1"/>
+          <p:cNvSpPr>
+            <a:spLocks noGrp="1"/>
+          </p:cNvSpPr>
+          <p:nvPr>
+            <p:ph type="title"/>
+          </p:nvPr>
+        </p:nvSpPr>
+        <p:spPr/>
+        <p:txBody>
+          <a:bodyPr/>
+          <a:lstStyle/>
+          <a:p>
+            <a:r>
+              <a:rPr lang="hu-HU" dirty="0" smtClean="0"/>
+              <a:t>Python előnyei:</a:t>
+            </a:r>
+            <a:endParaRPr lang="hu-HU" dirty="0"/>
+          </a:p>
+        </p:txBody>
+      </p:sp>
+      <p:sp>
+        <p:nvSpPr>
+          <p:cNvPr id="3" name="Tartalom helye 2"/>
+          <p:cNvSpPr>
+            <a:spLocks noGrp="1"/>
+          </p:cNvSpPr>
+          <p:nvPr>
+            <p:ph idx="1"/>
+          </p:nvPr>
+        </p:nvSpPr>
+        <p:spPr/>
+        <p:txBody>
+          <a:bodyPr/>
+          <a:lstStyle/>
+          <a:p>
+            <a:r>
+              <a:rPr lang="hu-HU" dirty="0" smtClean="0"/>
+              <a:t>Egyszerű</a:t>
+            </a:r>
+          </a:p>
+          <a:p>
+            <a:r>
+              <a:rPr lang="hu-HU" dirty="0" smtClean="0"/>
+              <a:t>Könnyen olvasható</a:t>
+            </a:r>
+          </a:p>
+          <a:p>
+            <a:r>
+              <a:rPr lang="hu-HU" dirty="0" smtClean="0"/>
+              <a:t>Objektum Orientált</a:t>
+            </a:r>
+          </a:p>
+          <a:p>
+            <a:r>
+              <a:rPr lang="hu-HU" dirty="0" smtClean="0"/>
+              <a:t>Népszerű – lehagyta a többi nyelvet a </a:t>
+            </a:r>
+            <a:r>
+              <a:rPr lang="hu-HU" dirty="0" err="1" smtClean="0"/>
+              <a:t>stackoverflow-on</a:t>
+            </a:r>
+            <a:r>
+              <a:rPr lang="hu-HU" dirty="0" smtClean="0"/>
+              <a:t> </a:t>
+            </a:r>
+          </a:p>
+          <a:p>
+            <a:r>
+              <a:rPr lang="hu-HU" dirty="0" smtClean="0"/>
+              <a:t>A nagyobb cégek használják(pl. Google, Facebook, </a:t>
+            </a:r>
+            <a:r>
+              <a:rPr lang="hu-HU" dirty="0" err="1" smtClean="0"/>
+              <a:t>Uber</a:t>
+            </a:r>
+            <a:r>
+              <a:rPr lang="hu-HU" dirty="0" smtClean="0"/>
+              <a:t>, </a:t>
+            </a:r>
+            <a:r>
+              <a:rPr lang="hu-HU" dirty="0" err="1" smtClean="0"/>
+              <a:t>Nasa</a:t>
+            </a:r>
+            <a:r>
+              <a:rPr lang="hu-HU" dirty="0" smtClean="0"/>
+              <a:t>) </a:t>
+            </a:r>
+          </a:p>
+          <a:p>
+            <a:r>
+              <a:rPr lang="hu-HU" dirty="0" smtClean="0"/>
+              <a:t>Ingyenes az összes könyvtárával együtt – Open </a:t>
+            </a:r>
+            <a:r>
+              <a:rPr lang="hu-HU" dirty="0" err="1" smtClean="0"/>
+              <a:t>Source</a:t>
+            </a:r>
+            <a:endParaRPr lang="hu-HU" dirty="0" smtClean="0"/>
+          </a:p>
+          <a:p>
+            <a:r>
+              <a:rPr lang="hu-HU" dirty="0" smtClean="0"/>
+              <a:t>Gépi tanuláshoz elengedhetetlen</a:t>
+            </a:r>
+          </a:p>
+          <a:p>
+            <a:endParaRPr lang="hu-HU" dirty="0"/>
+          </a:p>
+        </p:txBody>
+      </p:sp>
+    </p:spTree>
+    <p:extLst>
+      <p:ext uri="{BB962C8B-B14F-4D97-AF65-F5344CB8AC3E}">
+        <p14:creationId xmlns:p14="http://schemas.microsoft.com/office/powerpoint/2010/main" val="3151430493"/>
+      </p:ext>
+    </p:extLst>
+  </p:cSld>
+  <p:clrMapOvr>
+    <a:masterClrMapping/>
+  </p:clrMapOvr>
+</p:sld>
+</file>
+
+<file path=ppt/slides/slide7.xml><?xml version="1.0" encoding="utf-8"?>
+<p:sld xmlns:a="http://schemas.openxmlformats.org/drawingml/2006/main" xmlns:r="http://schemas.openxmlformats.org/officeDocument/2006/relationships" xmlns:p="http://schemas.openxmlformats.org/presentationml/2006/main">
+  <p:cSld>
+    <p:spTree>
+      <p:nvGrpSpPr>
+        <p:cNvPr id="1" name=""/>
+        <p:cNvGrpSpPr/>
+        <p:nvPr/>
+      </p:nvGrpSpPr>
+      <p:grpSpPr>
+        <a:xfrm>
+          <a:off x="0" y="0"/>
+          <a:ext cx="0" cy="0"/>
+          <a:chOff x="0" y="0"/>
+          <a:chExt cx="0" cy="0"/>
+        </a:xfrm>
+      </p:grpSpPr>
+      <p:sp>
+        <p:nvSpPr>
+          <p:cNvPr id="2" name="Cím 1"/>
+          <p:cNvSpPr>
+            <a:spLocks noGrp="1"/>
+          </p:cNvSpPr>
+          <p:nvPr>
+            <p:ph type="title"/>
+          </p:nvPr>
+        </p:nvSpPr>
+        <p:spPr/>
+        <p:txBody>
+          <a:bodyPr/>
+          <a:lstStyle/>
+          <a:p>
+            <a:r>
+              <a:rPr lang="hu-HU" dirty="0" smtClean="0"/>
+              <a:t>Hátrányai: </a:t>
+            </a:r>
+            <a:endParaRPr lang="hu-HU" dirty="0"/>
+          </a:p>
+        </p:txBody>
+      </p:sp>
+      <p:sp>
+        <p:nvSpPr>
+          <p:cNvPr id="3" name="Tartalom helye 2"/>
+          <p:cNvSpPr>
+            <a:spLocks noGrp="1"/>
+          </p:cNvSpPr>
+          <p:nvPr>
+            <p:ph idx="1"/>
+          </p:nvPr>
+        </p:nvSpPr>
+        <p:spPr/>
+        <p:txBody>
+          <a:bodyPr/>
+          <a:lstStyle/>
+          <a:p>
+            <a:r>
+              <a:rPr lang="hu-HU" dirty="0" smtClean="0"/>
+              <a:t>Egyszerű</a:t>
+            </a:r>
+          </a:p>
+          <a:p>
+            <a:r>
+              <a:rPr lang="hu-HU" dirty="0" smtClean="0"/>
+              <a:t>Korlátozott a sebessége</a:t>
+            </a:r>
+          </a:p>
+          <a:p>
+            <a:r>
+              <a:rPr lang="hu-HU" dirty="0" smtClean="0"/>
+              <a:t>Hatalmas mennyiségű memóriát használ.</a:t>
+            </a:r>
+          </a:p>
+          <a:p>
+            <a:r>
+              <a:rPr lang="hu-HU" dirty="0"/>
+              <a:t>N</a:t>
+            </a:r>
+            <a:r>
+              <a:rPr lang="hu-HU" dirty="0" smtClean="0"/>
+              <a:t>em megfelelő interaktivitás </a:t>
+            </a:r>
+            <a:r>
+              <a:rPr lang="hu-HU" dirty="0"/>
+              <a:t>az adatbázissal</a:t>
+            </a:r>
+            <a:r>
+              <a:rPr lang="hu-HU" dirty="0" smtClean="0"/>
+              <a:t>.</a:t>
+            </a:r>
+          </a:p>
+          <a:p>
+            <a:r>
+              <a:rPr lang="pt-BR" dirty="0"/>
+              <a:t>Nem natív a mobil </a:t>
+            </a:r>
+            <a:r>
+              <a:rPr lang="pt-BR" dirty="0" smtClean="0"/>
+              <a:t>környezethez</a:t>
+            </a:r>
+            <a:endParaRPr lang="hu-HU" dirty="0" smtClean="0"/>
+          </a:p>
+          <a:p>
+            <a:endParaRPr lang="hu-HU" dirty="0" smtClean="0"/>
+          </a:p>
+          <a:p>
+            <a:endParaRPr lang="hu-HU" dirty="0"/>
+          </a:p>
+        </p:txBody>
+      </p:sp>
+    </p:spTree>
+    <p:extLst>
+      <p:ext uri="{BB962C8B-B14F-4D97-AF65-F5344CB8AC3E}">
+        <p14:creationId xmlns:p14="http://schemas.microsoft.com/office/powerpoint/2010/main" val="2571161646"/>
+      </p:ext>
+    </p:extLst>
+  </p:cSld>
+  <p:clrMapOvr>
+    <a:masterClrMapping/>
+  </p:clrMapOvr>
+  <p:timing>
+    <p:tnLst>
+      <p:par>
+        <p:cTn id="1" dur="indefinite" restart="never" nodeType="tmRoot"/>
+      </p:par>
+    </p:tnLst>
+  </p:timing>
+</p:sld>
+</file>
+
+<file path=ppt/slides/slide8.xml><?xml version="1.0" encoding="utf-8"?>
+<p:sld xmlns:a="http://schemas.openxmlformats.org/drawingml/2006/main" xmlns:r="http://schemas.openxmlformats.org/officeDocument/2006/relationships" xmlns:p="http://schemas.openxmlformats.org/presentationml/2006/main">
+  <p:cSld>
+    <p:spTree>
+      <p:nvGrpSpPr>
+        <p:cNvPr id="1" name=""/>
+        <p:cNvGrpSpPr/>
+        <p:nvPr/>
+      </p:nvGrpSpPr>
+      <p:grpSpPr>
+        <a:xfrm>
+          <a:off x="0" y="0"/>
+          <a:ext cx="0" cy="0"/>
+          <a:chOff x="0" y="0"/>
+          <a:chExt cx="0" cy="0"/>
+        </a:xfrm>
+      </p:grpSpPr>
+      <p:sp>
+        <p:nvSpPr>
+          <p:cNvPr id="2" name="Cím 1"/>
+          <p:cNvSpPr>
+            <a:spLocks noGrp="1"/>
+          </p:cNvSpPr>
+          <p:nvPr>
+            <p:ph type="title"/>
+          </p:nvPr>
+        </p:nvSpPr>
+        <p:spPr>
+          <a:xfrm>
+            <a:off x="646111" y="452718"/>
+            <a:ext cx="9404723" cy="1248746"/>
+          </a:xfrm>
+        </p:spPr>
+        <p:txBody>
+          <a:bodyPr/>
+          <a:lstStyle/>
+          <a:p>
+            <a:r>
+              <a:rPr lang="hu-HU" dirty="0" err="1" smtClean="0"/>
+              <a:t>Youtube</a:t>
+            </a:r>
+            <a:r>
+              <a:rPr lang="hu-HU" dirty="0" smtClean="0"/>
+              <a:t>: Árpás Attila – Python programozás alapok – 1.rész</a:t>
+            </a:r>
+            <a:endParaRPr lang="hu-HU" dirty="0"/>
+          </a:p>
+        </p:txBody>
+      </p:sp>
+      <p:pic>
+        <p:nvPicPr>
+          <p:cNvPr id="4" name="YmcNkeMrfLg"/>
+          <p:cNvPicPr>
+            <a:picLocks noGrp="1" noRot="1" noChangeAspect="1"/>
+          </p:cNvPicPr>
+          <p:nvPr>
+            <p:ph idx="1"/>
+            <a:videoFile r:link="rId1"/>
+          </p:nvPr>
+        </p:nvPicPr>
+        <p:blipFill>
+          <a:blip r:embed="rId3"/>
+          <a:stretch>
+            <a:fillRect/>
+          </a:stretch>
+        </p:blipFill>
+        <p:spPr>
+          <a:xfrm>
+            <a:off x="1728788" y="1701464"/>
+            <a:ext cx="8685212" cy="4885433"/>
+          </a:xfrm>
+          <a:prstGeom prst="rect">
+            <a:avLst/>
+          </a:prstGeom>
+        </p:spPr>
+      </p:pic>
+    </p:spTree>
+    <p:extLst>
+      <p:ext uri="{BB962C8B-B14F-4D97-AF65-F5344CB8AC3E}">
+        <p14:creationId xmlns:p14="http://schemas.microsoft.com/office/powerpoint/2010/main" val="1574088648"/>
+      </p:ext>
+    </p:extLst>
+  </p:cSld>
+  <p:clrMapOvr>
+    <a:masterClrMapping/>
+  </p:clrMapOvr>
+  <p:timing>
+    <p:tnLst>
+      <p:par>
+        <p:cTn id="1" dur="indefinite" restart="never" nodeType="tmRoot"/>
+      </p:par>
+    </p:tnLst>
+  </p:timing>
+</p:sld>
+</file>
+
+<file path=ppt/slides/slide9.xml><?xml version="1.0" encoding="utf-8"?>
+<p:sld xmlns:a="http://schemas.openxmlformats.org/drawingml/2006/main" xmlns:r="http://schemas.openxmlformats.org/officeDocument/2006/relationships" xmlns:p="http://schemas.openxmlformats.org/presentationml/2006/main">
+  <p:cSld>
+    <p:spTree>
+      <p:nvGrpSpPr>
+        <p:cNvPr id="1" name=""/>
+        <p:cNvGrpSpPr/>
+        <p:nvPr/>
+      </p:nvGrpSpPr>
+      <p:grpSpPr>
+        <a:xfrm>
+          <a:off x="0" y="0"/>
+          <a:ext cx="0" cy="0"/>
+          <a:chOff x="0" y="0"/>
+          <a:chExt cx="0" cy="0"/>
+        </a:xfrm>
+      </p:grpSpPr>
+      <p:sp>
+        <p:nvSpPr>
+          <p:cNvPr id="2" name="Cím 1"/>
+          <p:cNvSpPr>
+            <a:spLocks noGrp="1"/>
+          </p:cNvSpPr>
+          <p:nvPr>
+            <p:ph type="title"/>
+          </p:nvPr>
+        </p:nvSpPr>
+        <p:spPr/>
+        <p:txBody>
+          <a:bodyPr/>
+          <a:lstStyle/>
+          <a:p>
+            <a:r>
+              <a:rPr lang="hu-HU" dirty="0" smtClean="0"/>
               <a:t>Források:</a:t>
             </a:r>
             <a:endParaRPr lang="hu-HU" dirty="0"/>
@@ -6613,7 +7003,7 @@
         <p:spPr/>
         <p:txBody>
           <a:bodyPr>
-            <a:normAutofit lnSpcReduction="10000"/>
+            <a:normAutofit fontScale="92500" lnSpcReduction="10000"/>
           </a:bodyPr>
           <a:lstStyle/>
           <a:p>
@@ -6719,6 +7109,24 @@
               </a:rPr>
               <a:t>/</a:t>
             </a:r>
+            <a:endParaRPr lang="hu-HU" dirty="0" smtClean="0"/>
+          </a:p>
+          <a:p>
+            <a:r>
+              <a:rPr lang="hu-HU" dirty="0">
+                <a:hlinkClick r:id="rId9"/>
+              </a:rPr>
+              <a:t>https://upload.wikimedia.org/wikipedia/commons/d/d0/Notepad%2B%2B_v6.9.2_on_Windows_10%2C_with_%</a:t>
+            </a:r>
+            <a:r>
+              <a:rPr lang="hu-HU" dirty="0" smtClean="0">
+                <a:hlinkClick r:id="rId9"/>
+              </a:rPr>
+              <a:t>22Hello_World%22_source_code_in_C_programming_language.png</a:t>
+            </a:r>
+            <a:endParaRPr lang="hu-HU" dirty="0" smtClean="0"/>
+          </a:p>
+          <a:p>
             <a:endParaRPr lang="hu-HU" dirty="0" smtClean="0"/>
           </a:p>
           <a:p>
@@ -6745,6 +7153,13 @@
   <p:clrMapOvr>
     <a:masterClrMapping/>
   </p:clrMapOvr>
+  <p:timing>
+    <p:tnLst>
+      <p:par>
+        <p:cTn id="1" dur="indefinite" restart="never" nodeType="tmRoot"/>
+      </p:par>
+    </p:tnLst>
+  </p:timing>
 </p:sld>
 </file>
 
